--- a/jsp_ppt/14장. Jsp-JDBC.pptx
+++ b/jsp_ppt/14장. Jsp-JDBC.pptx
@@ -3983,7 +3983,7 @@
                 <a:latin typeface="휴먼엑스포" panose="02030504000101010101" pitchFamily="18" charset="-127"/>
                 <a:ea typeface="휴먼엑스포" panose="02030504000101010101" pitchFamily="18" charset="-127"/>
               </a:rPr>
-              <a:t>13</a:t>
+              <a:t>14</a:t>
             </a:r>
             <a:r>
               <a:rPr lang="ko-KR" altLang="en-US" b="1" dirty="0" smtClean="0">
